--- a/images/theory_analysis/Kubernetes_flannel_Plugin/Kubernetes_flannel_Plugin.pptx
+++ b/images/theory_analysis/Kubernetes_flannel_Plugin/Kubernetes_flannel_Plugin.pptx
@@ -111,7 +111,7 @@
   </p:defaultTextStyle>
   <p:extLst>
     <p:ext uri="{EFAFB233-063F-42B5-8137-9DF3F51BA10A}">
-      <p15:sldGuideLst xmlns:p15="http://schemas.microsoft.com/office/powerpoint/2012/main" xmlns="">
+      <p15:sldGuideLst xmlns:p15="http://schemas.microsoft.com/office/powerpoint/2012/main">
         <p15:guide id="1" orient="horz" pos="2160">
           <p15:clr>
             <a:srgbClr val="A4A3A4"/>
@@ -215,7 +215,7 @@
           <a:p>
             <a:fld id="{6CD5550B-26C4-49A9-A5BA-636EF7BE6CE9}" type="datetimeFigureOut">
               <a:rPr lang="ko-KR" altLang="en-US" smtClean="0"/>
-              <a:t>2018-08-28</a:t>
+              <a:t>2019-02-04</a:t>
             </a:fld>
             <a:endParaRPr lang="ko-KR" altLang="en-US"/>
           </a:p>
@@ -913,7 +913,7 @@
           <a:p>
             <a:fld id="{FB30EDBD-1C2D-4C1E-B459-B60219FAB484}" type="datetimeFigureOut">
               <a:rPr lang="ko-KR" altLang="en-US" smtClean="0"/>
-              <a:t>2018-08-28</a:t>
+              <a:t>2019-02-04</a:t>
             </a:fld>
             <a:endParaRPr lang="ko-KR" altLang="en-US"/>
           </a:p>
@@ -1076,7 +1076,7 @@
           <a:p>
             <a:fld id="{FB30EDBD-1C2D-4C1E-B459-B60219FAB484}" type="datetimeFigureOut">
               <a:rPr lang="ko-KR" altLang="en-US" smtClean="0"/>
-              <a:t>2018-08-28</a:t>
+              <a:t>2019-02-04</a:t>
             </a:fld>
             <a:endParaRPr lang="ko-KR" altLang="en-US"/>
           </a:p>
@@ -1249,7 +1249,7 @@
           <a:p>
             <a:fld id="{FB30EDBD-1C2D-4C1E-B459-B60219FAB484}" type="datetimeFigureOut">
               <a:rPr lang="ko-KR" altLang="en-US" smtClean="0"/>
-              <a:t>2018-08-28</a:t>
+              <a:t>2019-02-04</a:t>
             </a:fld>
             <a:endParaRPr lang="ko-KR" altLang="en-US"/>
           </a:p>
@@ -1412,7 +1412,7 @@
           <a:p>
             <a:fld id="{FB30EDBD-1C2D-4C1E-B459-B60219FAB484}" type="datetimeFigureOut">
               <a:rPr lang="ko-KR" altLang="en-US" smtClean="0"/>
-              <a:t>2018-08-28</a:t>
+              <a:t>2019-02-04</a:t>
             </a:fld>
             <a:endParaRPr lang="ko-KR" altLang="en-US"/>
           </a:p>
@@ -1652,7 +1652,7 @@
           <a:p>
             <a:fld id="{FB30EDBD-1C2D-4C1E-B459-B60219FAB484}" type="datetimeFigureOut">
               <a:rPr lang="ko-KR" altLang="en-US" smtClean="0"/>
-              <a:t>2018-08-28</a:t>
+              <a:t>2019-02-04</a:t>
             </a:fld>
             <a:endParaRPr lang="ko-KR" altLang="en-US"/>
           </a:p>
@@ -1932,7 +1932,7 @@
           <a:p>
             <a:fld id="{FB30EDBD-1C2D-4C1E-B459-B60219FAB484}" type="datetimeFigureOut">
               <a:rPr lang="ko-KR" altLang="en-US" smtClean="0"/>
-              <a:t>2018-08-28</a:t>
+              <a:t>2019-02-04</a:t>
             </a:fld>
             <a:endParaRPr lang="ko-KR" altLang="en-US"/>
           </a:p>
@@ -2346,7 +2346,7 @@
           <a:p>
             <a:fld id="{FB30EDBD-1C2D-4C1E-B459-B60219FAB484}" type="datetimeFigureOut">
               <a:rPr lang="ko-KR" altLang="en-US" smtClean="0"/>
-              <a:t>2018-08-28</a:t>
+              <a:t>2019-02-04</a:t>
             </a:fld>
             <a:endParaRPr lang="ko-KR" altLang="en-US"/>
           </a:p>
@@ -2458,7 +2458,7 @@
           <a:p>
             <a:fld id="{FB30EDBD-1C2D-4C1E-B459-B60219FAB484}" type="datetimeFigureOut">
               <a:rPr lang="ko-KR" altLang="en-US" smtClean="0"/>
-              <a:t>2018-08-28</a:t>
+              <a:t>2019-02-04</a:t>
             </a:fld>
             <a:endParaRPr lang="ko-KR" altLang="en-US"/>
           </a:p>
@@ -2548,7 +2548,7 @@
           <a:p>
             <a:fld id="{FB30EDBD-1C2D-4C1E-B459-B60219FAB484}" type="datetimeFigureOut">
               <a:rPr lang="ko-KR" altLang="en-US" smtClean="0"/>
-              <a:t>2018-08-28</a:t>
+              <a:t>2019-02-04</a:t>
             </a:fld>
             <a:endParaRPr lang="ko-KR" altLang="en-US"/>
           </a:p>
@@ -2818,7 +2818,7 @@
           <a:p>
             <a:fld id="{FB30EDBD-1C2D-4C1E-B459-B60219FAB484}" type="datetimeFigureOut">
               <a:rPr lang="ko-KR" altLang="en-US" smtClean="0"/>
-              <a:t>2018-08-28</a:t>
+              <a:t>2019-02-04</a:t>
             </a:fld>
             <a:endParaRPr lang="ko-KR" altLang="en-US"/>
           </a:p>
@@ -3065,7 +3065,7 @@
           <a:p>
             <a:fld id="{FB30EDBD-1C2D-4C1E-B459-B60219FAB484}" type="datetimeFigureOut">
               <a:rPr lang="ko-KR" altLang="en-US" smtClean="0"/>
-              <a:t>2018-08-28</a:t>
+              <a:t>2019-02-04</a:t>
             </a:fld>
             <a:endParaRPr lang="ko-KR" altLang="en-US"/>
           </a:p>
@@ -3271,7 +3271,7 @@
           <a:p>
             <a:fld id="{FB30EDBD-1C2D-4C1E-B459-B60219FAB484}" type="datetimeFigureOut">
               <a:rPr lang="ko-KR" altLang="en-US" smtClean="0"/>
-              <a:t>2018-08-28</a:t>
+              <a:t>2019-02-04</a:t>
             </a:fld>
             <a:endParaRPr lang="ko-KR" altLang="en-US"/>
           </a:p>
@@ -3676,7 +3676,7 @@
           <p:cNvPr id="24" name="모서리가 둥근 직사각형 44">
             <a:extLst>
               <a:ext uri="{FF2B5EF4-FFF2-40B4-BE49-F238E27FC236}">
-                <a16:creationId xmlns:a16="http://schemas.microsoft.com/office/drawing/2014/main" xmlns="" id="{2DBA49E2-5203-48AC-9D0B-4B3C58EE231E}"/>
+                <a16:creationId xmlns:a16="http://schemas.microsoft.com/office/drawing/2014/main" id="{2DBA49E2-5203-48AC-9D0B-4B3C58EE231E}"/>
               </a:ext>
             </a:extLst>
           </p:cNvPr>
@@ -3716,7 +3716,7 @@
             <a:pPr algn="ctr"/>
             <a:r>
               <a:rPr lang="en-US" altLang="ko-KR" sz="1600"/>
-              <a:t>Node B</a:t>
+              <a:t>Host B</a:t>
             </a:r>
             <a:endParaRPr lang="ko-KR" altLang="en-US" sz="1600" dirty="0"/>
           </a:p>
@@ -3727,7 +3727,7 @@
           <p:cNvPr id="27" name="모서리가 둥근 직사각형 55">
             <a:extLst>
               <a:ext uri="{FF2B5EF4-FFF2-40B4-BE49-F238E27FC236}">
-                <a16:creationId xmlns:a16="http://schemas.microsoft.com/office/drawing/2014/main" xmlns="" id="{0FB88AC0-5E25-4C22-9F9F-FF062E2DDB6A}"/>
+                <a16:creationId xmlns:a16="http://schemas.microsoft.com/office/drawing/2014/main" id="{0FB88AC0-5E25-4C22-9F9F-FF062E2DDB6A}"/>
               </a:ext>
             </a:extLst>
           </p:cNvPr>
@@ -3778,7 +3778,7 @@
             <a:pPr algn="ctr"/>
             <a:r>
               <a:rPr lang="en-US" altLang="ko-KR" sz="1200" b="1"/>
-              <a:t>(Node </a:t>
+              <a:t>(Host </a:t>
             </a:r>
             <a:r>
               <a:rPr lang="en-US" altLang="ko-KR" sz="1200" b="1" dirty="0"/>
@@ -3792,7 +3792,7 @@
           <p:cNvPr id="46" name="모서리가 둥근 직사각형 75">
             <a:extLst>
               <a:ext uri="{FF2B5EF4-FFF2-40B4-BE49-F238E27FC236}">
-                <a16:creationId xmlns:a16="http://schemas.microsoft.com/office/drawing/2014/main" xmlns="" id="{2EBEE14D-89BD-4822-AD15-7105D7141912}"/>
+                <a16:creationId xmlns:a16="http://schemas.microsoft.com/office/drawing/2014/main" id="{2EBEE14D-89BD-4822-AD15-7105D7141912}"/>
               </a:ext>
             </a:extLst>
           </p:cNvPr>
@@ -3843,7 +3843,7 @@
           <p:cNvPr id="8" name="모서리가 둥근 직사각형 75">
             <a:extLst>
               <a:ext uri="{FF2B5EF4-FFF2-40B4-BE49-F238E27FC236}">
-                <a16:creationId xmlns:a16="http://schemas.microsoft.com/office/drawing/2014/main" xmlns="" id="{9DEDB479-C1E5-4779-9F62-829F1D8593EE}"/>
+                <a16:creationId xmlns:a16="http://schemas.microsoft.com/office/drawing/2014/main" id="{9DEDB479-C1E5-4779-9F62-829F1D8593EE}"/>
               </a:ext>
             </a:extLst>
           </p:cNvPr>
@@ -3935,7 +3935,7 @@
           <p:cNvPr id="18" name="모서리가 둥근 직사각형 44">
             <a:extLst>
               <a:ext uri="{FF2B5EF4-FFF2-40B4-BE49-F238E27FC236}">
-                <a16:creationId xmlns:a16="http://schemas.microsoft.com/office/drawing/2014/main" xmlns="" id="{0518FDB4-43E9-46EA-87A2-948622A90385}"/>
+                <a16:creationId xmlns:a16="http://schemas.microsoft.com/office/drawing/2014/main" id="{0518FDB4-43E9-46EA-87A2-948622A90385}"/>
               </a:ext>
             </a:extLst>
           </p:cNvPr>
@@ -3975,7 +3975,7 @@
             <a:pPr algn="ctr"/>
             <a:r>
               <a:rPr lang="en-US" altLang="ko-KR" sz="1600"/>
-              <a:t>Node A</a:t>
+              <a:t>Host A</a:t>
             </a:r>
             <a:endParaRPr lang="ko-KR" altLang="en-US" sz="1600" dirty="0"/>
           </a:p>
@@ -3986,7 +3986,7 @@
           <p:cNvPr id="19" name="모서리가 둥근 직사각형 55">
             <a:extLst>
               <a:ext uri="{FF2B5EF4-FFF2-40B4-BE49-F238E27FC236}">
-                <a16:creationId xmlns:a16="http://schemas.microsoft.com/office/drawing/2014/main" xmlns="" id="{E4943E0F-A5A9-421D-87BC-2FEE69A6BC70}"/>
+                <a16:creationId xmlns:a16="http://schemas.microsoft.com/office/drawing/2014/main" id="{E4943E0F-A5A9-421D-87BC-2FEE69A6BC70}"/>
               </a:ext>
             </a:extLst>
           </p:cNvPr>
@@ -4037,7 +4037,7 @@
             <a:pPr algn="ctr"/>
             <a:r>
               <a:rPr lang="en-US" altLang="ko-KR" sz="1200" b="1"/>
-              <a:t>(Node </a:t>
+              <a:t>(Host </a:t>
             </a:r>
             <a:r>
               <a:rPr lang="en-US" altLang="ko-KR" sz="1200" b="1" dirty="0"/>
@@ -4051,7 +4051,7 @@
           <p:cNvPr id="20" name="모서리가 둥근 직사각형 75">
             <a:extLst>
               <a:ext uri="{FF2B5EF4-FFF2-40B4-BE49-F238E27FC236}">
-                <a16:creationId xmlns:a16="http://schemas.microsoft.com/office/drawing/2014/main" xmlns="" id="{6B09E18D-5232-497D-B8C8-D333B06EF142}"/>
+                <a16:creationId xmlns:a16="http://schemas.microsoft.com/office/drawing/2014/main" id="{6B09E18D-5232-497D-B8C8-D333B06EF142}"/>
               </a:ext>
             </a:extLst>
           </p:cNvPr>
@@ -4211,7 +4211,7 @@
           <p:cNvPr id="3" name="모서리가 둥근 직사각형 44">
             <a:extLst>
               <a:ext uri="{FF2B5EF4-FFF2-40B4-BE49-F238E27FC236}">
-                <a16:creationId xmlns:a16="http://schemas.microsoft.com/office/drawing/2014/main" xmlns="" id="{2DBA49E2-5203-48AC-9D0B-4B3C58EE231E}"/>
+                <a16:creationId xmlns:a16="http://schemas.microsoft.com/office/drawing/2014/main" id="{2DBA49E2-5203-48AC-9D0B-4B3C58EE231E}"/>
               </a:ext>
             </a:extLst>
           </p:cNvPr>
@@ -4249,8 +4249,12 @@
           <a:lstStyle/>
           <a:p>
             <a:r>
+              <a:rPr lang="en-US" altLang="ko-KR" sz="1600" b="1"/>
+              <a:t>Host </a:t>
+            </a:r>
+            <a:r>
               <a:rPr lang="en-US" altLang="ko-KR" sz="1600" b="1" dirty="0"/>
-              <a:t>Node 1 </a:t>
+              <a:t>1 </a:t>
             </a:r>
           </a:p>
           <a:p>
@@ -4290,21 +4294,21 @@
                 <a:gridCol w="1340134">
                   <a:extLst>
                     <a:ext uri="{9D8B030D-6E8A-4147-A177-3AD203B41FA5}">
-                      <a16:colId xmlns:a16="http://schemas.microsoft.com/office/drawing/2014/main" xmlns="" val="20000"/>
+                      <a16:colId xmlns:a16="http://schemas.microsoft.com/office/drawing/2014/main" val="20000"/>
                     </a:ext>
                   </a:extLst>
                 </a:gridCol>
                 <a:gridCol w="1112589">
                   <a:extLst>
                     <a:ext uri="{9D8B030D-6E8A-4147-A177-3AD203B41FA5}">
-                      <a16:colId xmlns:a16="http://schemas.microsoft.com/office/drawing/2014/main" xmlns="" val="959866616"/>
+                      <a16:colId xmlns:a16="http://schemas.microsoft.com/office/drawing/2014/main" val="959866616"/>
                     </a:ext>
                   </a:extLst>
                 </a:gridCol>
                 <a:gridCol w="903633">
                   <a:extLst>
                     <a:ext uri="{9D8B030D-6E8A-4147-A177-3AD203B41FA5}">
-                      <a16:colId xmlns:a16="http://schemas.microsoft.com/office/drawing/2014/main" xmlns="" val="20001"/>
+                      <a16:colId xmlns:a16="http://schemas.microsoft.com/office/drawing/2014/main" val="20001"/>
                     </a:ext>
                   </a:extLst>
                 </a:gridCol>
@@ -4317,7 +4321,7 @@
                     <a:p>
                       <a:pPr latinLnBrk="1"/>
                       <a:r>
-                        <a:rPr lang="en-US" altLang="ko-KR" sz="1400" dirty="0" smtClean="0"/>
+                        <a:rPr lang="en-US" altLang="ko-KR" sz="1400" dirty="0"/>
                         <a:t>10.0.0.0/24</a:t>
                       </a:r>
                       <a:endParaRPr lang="ko-KR" altLang="en-US" sz="1400" dirty="0"/>
@@ -4468,7 +4472,7 @@
                 </a:tc>
                 <a:extLst>
                   <a:ext uri="{0D108BD9-81ED-4DB2-BD59-A6C34878D82A}">
-                    <a16:rowId xmlns:a16="http://schemas.microsoft.com/office/drawing/2014/main" xmlns="" val="10000"/>
+                    <a16:rowId xmlns:a16="http://schemas.microsoft.com/office/drawing/2014/main" val="10000"/>
                   </a:ext>
                 </a:extLst>
               </a:tr>
@@ -4631,7 +4635,7 @@
                 </a:tc>
                 <a:extLst>
                   <a:ext uri="{0D108BD9-81ED-4DB2-BD59-A6C34878D82A}">
-                    <a16:rowId xmlns:a16="http://schemas.microsoft.com/office/drawing/2014/main" xmlns="" val="10001"/>
+                    <a16:rowId xmlns:a16="http://schemas.microsoft.com/office/drawing/2014/main" val="10001"/>
                   </a:ext>
                 </a:extLst>
               </a:tr>
@@ -4794,7 +4798,7 @@
                 </a:tc>
                 <a:extLst>
                   <a:ext uri="{0D108BD9-81ED-4DB2-BD59-A6C34878D82A}">
-                    <a16:rowId xmlns:a16="http://schemas.microsoft.com/office/drawing/2014/main" xmlns="" val="10002"/>
+                    <a16:rowId xmlns:a16="http://schemas.microsoft.com/office/drawing/2014/main" val="10002"/>
                   </a:ext>
                 </a:extLst>
               </a:tr>
@@ -4807,7 +4811,7 @@
           <p:cNvPr id="13" name="모서리가 둥근 직사각형 44">
             <a:extLst>
               <a:ext uri="{FF2B5EF4-FFF2-40B4-BE49-F238E27FC236}">
-                <a16:creationId xmlns:a16="http://schemas.microsoft.com/office/drawing/2014/main" xmlns="" id="{2DBA49E2-5203-48AC-9D0B-4B3C58EE231E}"/>
+                <a16:creationId xmlns:a16="http://schemas.microsoft.com/office/drawing/2014/main" id="{2DBA49E2-5203-48AC-9D0B-4B3C58EE231E}"/>
               </a:ext>
             </a:extLst>
           </p:cNvPr>
@@ -4858,7 +4862,7 @@
           <p:cNvPr id="14" name="모서리가 둥근 직사각형 44">
             <a:extLst>
               <a:ext uri="{FF2B5EF4-FFF2-40B4-BE49-F238E27FC236}">
-                <a16:creationId xmlns:a16="http://schemas.microsoft.com/office/drawing/2014/main" xmlns="" id="{2DBA49E2-5203-48AC-9D0B-4B3C58EE231E}"/>
+                <a16:creationId xmlns:a16="http://schemas.microsoft.com/office/drawing/2014/main" id="{2DBA49E2-5203-48AC-9D0B-4B3C58EE231E}"/>
               </a:ext>
             </a:extLst>
           </p:cNvPr>
@@ -4897,8 +4901,12 @@
           <a:p>
             <a:pPr algn="r"/>
             <a:r>
+              <a:rPr lang="en-US" altLang="ko-KR" sz="1600" b="1"/>
+              <a:t>Host </a:t>
+            </a:r>
+            <a:r>
               <a:rPr lang="en-US" altLang="ko-KR" sz="1600" b="1" dirty="0"/>
-              <a:t>Node 2 </a:t>
+              <a:t>2 </a:t>
             </a:r>
           </a:p>
           <a:p>
@@ -4916,7 +4924,7 @@
           <p:cNvPr id="21" name="모서리가 둥근 직사각형 44">
             <a:extLst>
               <a:ext uri="{FF2B5EF4-FFF2-40B4-BE49-F238E27FC236}">
-                <a16:creationId xmlns:a16="http://schemas.microsoft.com/office/drawing/2014/main" xmlns="" id="{2DBA49E2-5203-48AC-9D0B-4B3C58EE231E}"/>
+                <a16:creationId xmlns:a16="http://schemas.microsoft.com/office/drawing/2014/main" id="{2DBA49E2-5203-48AC-9D0B-4B3C58EE231E}"/>
               </a:ext>
             </a:extLst>
           </p:cNvPr>
@@ -5006,7 +5014,7 @@
           <p:cNvPr id="27" name="모서리가 둥근 직사각형 44">
             <a:extLst>
               <a:ext uri="{FF2B5EF4-FFF2-40B4-BE49-F238E27FC236}">
-                <a16:creationId xmlns:a16="http://schemas.microsoft.com/office/drawing/2014/main" xmlns="" id="{2DBA49E2-5203-48AC-9D0B-4B3C58EE231E}"/>
+                <a16:creationId xmlns:a16="http://schemas.microsoft.com/office/drawing/2014/main" id="{2DBA49E2-5203-48AC-9D0B-4B3C58EE231E}"/>
               </a:ext>
             </a:extLst>
           </p:cNvPr>
@@ -5060,7 +5068,7 @@
           <p:cNvPr id="30" name="모서리가 둥근 직사각형 44">
             <a:extLst>
               <a:ext uri="{FF2B5EF4-FFF2-40B4-BE49-F238E27FC236}">
-                <a16:creationId xmlns:a16="http://schemas.microsoft.com/office/drawing/2014/main" xmlns="" id="{2DBA49E2-5203-48AC-9D0B-4B3C58EE231E}"/>
+                <a16:creationId xmlns:a16="http://schemas.microsoft.com/office/drawing/2014/main" id="{2DBA49E2-5203-48AC-9D0B-4B3C58EE231E}"/>
               </a:ext>
             </a:extLst>
           </p:cNvPr>
@@ -5114,7 +5122,7 @@
           <p:cNvPr id="31" name="모서리가 둥근 직사각형 44">
             <a:extLst>
               <a:ext uri="{FF2B5EF4-FFF2-40B4-BE49-F238E27FC236}">
-                <a16:creationId xmlns:a16="http://schemas.microsoft.com/office/drawing/2014/main" xmlns="" id="{2DBA49E2-5203-48AC-9D0B-4B3C58EE231E}"/>
+                <a16:creationId xmlns:a16="http://schemas.microsoft.com/office/drawing/2014/main" id="{2DBA49E2-5203-48AC-9D0B-4B3C58EE231E}"/>
               </a:ext>
             </a:extLst>
           </p:cNvPr>
@@ -5159,8 +5167,12 @@
               <a:buChar char="•"/>
             </a:pPr>
             <a:r>
+              <a:rPr lang="en-US" altLang="ko-KR" sz="1400"/>
+              <a:t>Host </a:t>
+            </a:r>
+            <a:r>
               <a:rPr lang="en-US" altLang="ko-KR" sz="1400" dirty="0"/>
-              <a:t>Node Network : 10.0.0.0/24</a:t>
+              <a:t>Network : 10.0.0.0/24</a:t>
             </a:r>
           </a:p>
           <a:p>
@@ -5185,7 +5197,7 @@
           <p:cNvPr id="64" name="그룹 63">
             <a:extLst>
               <a:ext uri="{FF2B5EF4-FFF2-40B4-BE49-F238E27FC236}">
-                <a16:creationId xmlns:a16="http://schemas.microsoft.com/office/drawing/2014/main" xmlns="" id="{10774F19-BC79-4638-A196-328E0CBB560D}"/>
+                <a16:creationId xmlns:a16="http://schemas.microsoft.com/office/drawing/2014/main" id="{10774F19-BC79-4638-A196-328E0CBB560D}"/>
               </a:ext>
             </a:extLst>
           </p:cNvPr>
@@ -5205,7 +5217,7 @@
             <p:cNvPr id="4" name="모서리가 둥근 직사각형 44">
               <a:extLst>
                 <a:ext uri="{FF2B5EF4-FFF2-40B4-BE49-F238E27FC236}">
-                  <a16:creationId xmlns:a16="http://schemas.microsoft.com/office/drawing/2014/main" xmlns="" id="{2DBA49E2-5203-48AC-9D0B-4B3C58EE231E}"/>
+                  <a16:creationId xmlns:a16="http://schemas.microsoft.com/office/drawing/2014/main" id="{2DBA49E2-5203-48AC-9D0B-4B3C58EE231E}"/>
                 </a:ext>
               </a:extLst>
             </p:cNvPr>
@@ -5256,7 +5268,7 @@
             <p:cNvPr id="7" name="모서리가 둥근 직사각형 44">
               <a:extLst>
                 <a:ext uri="{FF2B5EF4-FFF2-40B4-BE49-F238E27FC236}">
-                  <a16:creationId xmlns:a16="http://schemas.microsoft.com/office/drawing/2014/main" xmlns="" id="{2DBA49E2-5203-48AC-9D0B-4B3C58EE231E}"/>
+                  <a16:creationId xmlns:a16="http://schemas.microsoft.com/office/drawing/2014/main" id="{2DBA49E2-5203-48AC-9D0B-4B3C58EE231E}"/>
                 </a:ext>
               </a:extLst>
             </p:cNvPr>
@@ -5307,7 +5319,7 @@
             <p:cNvPr id="8" name="모서리가 둥근 직사각형 44">
               <a:extLst>
                 <a:ext uri="{FF2B5EF4-FFF2-40B4-BE49-F238E27FC236}">
-                  <a16:creationId xmlns:a16="http://schemas.microsoft.com/office/drawing/2014/main" xmlns="" id="{2DBA49E2-5203-48AC-9D0B-4B3C58EE231E}"/>
+                  <a16:creationId xmlns:a16="http://schemas.microsoft.com/office/drawing/2014/main" id="{2DBA49E2-5203-48AC-9D0B-4B3C58EE231E}"/>
                 </a:ext>
               </a:extLst>
             </p:cNvPr>
@@ -5396,7 +5408,7 @@
             <p:cNvPr id="11" name="모서리가 둥근 직사각형 44">
               <a:extLst>
                 <a:ext uri="{FF2B5EF4-FFF2-40B4-BE49-F238E27FC236}">
-                  <a16:creationId xmlns:a16="http://schemas.microsoft.com/office/drawing/2014/main" xmlns="" id="{2DBA49E2-5203-48AC-9D0B-4B3C58EE231E}"/>
+                  <a16:creationId xmlns:a16="http://schemas.microsoft.com/office/drawing/2014/main" id="{2DBA49E2-5203-48AC-9D0B-4B3C58EE231E}"/>
                 </a:ext>
               </a:extLst>
             </p:cNvPr>
@@ -5450,7 +5462,7 @@
             <p:cNvPr id="24" name="모서리가 둥근 직사각형 44">
               <a:extLst>
                 <a:ext uri="{FF2B5EF4-FFF2-40B4-BE49-F238E27FC236}">
-                  <a16:creationId xmlns:a16="http://schemas.microsoft.com/office/drawing/2014/main" xmlns="" id="{132E9DD2-D948-42DB-82F3-0E457413DD3F}"/>
+                  <a16:creationId xmlns:a16="http://schemas.microsoft.com/office/drawing/2014/main" id="{132E9DD2-D948-42DB-82F3-0E457413DD3F}"/>
                 </a:ext>
               </a:extLst>
             </p:cNvPr>
@@ -5501,7 +5513,7 @@
             <p:cNvPr id="25" name="직선 연결선 24">
               <a:extLst>
                 <a:ext uri="{FF2B5EF4-FFF2-40B4-BE49-F238E27FC236}">
-                  <a16:creationId xmlns:a16="http://schemas.microsoft.com/office/drawing/2014/main" xmlns="" id="{61BD7EEA-19F2-4D88-A764-5AF89984B1EA}"/>
+                  <a16:creationId xmlns:a16="http://schemas.microsoft.com/office/drawing/2014/main" id="{61BD7EEA-19F2-4D88-A764-5AF89984B1EA}"/>
                 </a:ext>
               </a:extLst>
             </p:cNvPr>
@@ -5547,7 +5559,7 @@
           <p:cNvPr id="65" name="그룹 64">
             <a:extLst>
               <a:ext uri="{FF2B5EF4-FFF2-40B4-BE49-F238E27FC236}">
-                <a16:creationId xmlns:a16="http://schemas.microsoft.com/office/drawing/2014/main" xmlns="" id="{6E6B2E12-C7C8-460C-A7BC-847842E9C038}"/>
+                <a16:creationId xmlns:a16="http://schemas.microsoft.com/office/drawing/2014/main" id="{6E6B2E12-C7C8-460C-A7BC-847842E9C038}"/>
               </a:ext>
             </a:extLst>
           </p:cNvPr>
@@ -5567,7 +5579,7 @@
             <p:cNvPr id="15" name="모서리가 둥근 직사각형 44">
               <a:extLst>
                 <a:ext uri="{FF2B5EF4-FFF2-40B4-BE49-F238E27FC236}">
-                  <a16:creationId xmlns:a16="http://schemas.microsoft.com/office/drawing/2014/main" xmlns="" id="{2DBA49E2-5203-48AC-9D0B-4B3C58EE231E}"/>
+                  <a16:creationId xmlns:a16="http://schemas.microsoft.com/office/drawing/2014/main" id="{2DBA49E2-5203-48AC-9D0B-4B3C58EE231E}"/>
                 </a:ext>
               </a:extLst>
             </p:cNvPr>
@@ -5618,7 +5630,7 @@
             <p:cNvPr id="17" name="모서리가 둥근 직사각형 44">
               <a:extLst>
                 <a:ext uri="{FF2B5EF4-FFF2-40B4-BE49-F238E27FC236}">
-                  <a16:creationId xmlns:a16="http://schemas.microsoft.com/office/drawing/2014/main" xmlns="" id="{2DBA49E2-5203-48AC-9D0B-4B3C58EE231E}"/>
+                  <a16:creationId xmlns:a16="http://schemas.microsoft.com/office/drawing/2014/main" id="{2DBA49E2-5203-48AC-9D0B-4B3C58EE231E}"/>
                 </a:ext>
               </a:extLst>
             </p:cNvPr>
@@ -5669,7 +5681,7 @@
             <p:cNvPr id="18" name="모서리가 둥근 직사각형 44">
               <a:extLst>
                 <a:ext uri="{FF2B5EF4-FFF2-40B4-BE49-F238E27FC236}">
-                  <a16:creationId xmlns:a16="http://schemas.microsoft.com/office/drawing/2014/main" xmlns="" id="{2DBA49E2-5203-48AC-9D0B-4B3C58EE231E}"/>
+                  <a16:creationId xmlns:a16="http://schemas.microsoft.com/office/drawing/2014/main" id="{2DBA49E2-5203-48AC-9D0B-4B3C58EE231E}"/>
                 </a:ext>
               </a:extLst>
             </p:cNvPr>
@@ -5758,7 +5770,7 @@
             <p:cNvPr id="20" name="모서리가 둥근 직사각형 44">
               <a:extLst>
                 <a:ext uri="{FF2B5EF4-FFF2-40B4-BE49-F238E27FC236}">
-                  <a16:creationId xmlns:a16="http://schemas.microsoft.com/office/drawing/2014/main" xmlns="" id="{2DBA49E2-5203-48AC-9D0B-4B3C58EE231E}"/>
+                  <a16:creationId xmlns:a16="http://schemas.microsoft.com/office/drawing/2014/main" id="{2DBA49E2-5203-48AC-9D0B-4B3C58EE231E}"/>
                 </a:ext>
               </a:extLst>
             </p:cNvPr>
@@ -5812,7 +5824,7 @@
             <p:cNvPr id="52" name="모서리가 둥근 직사각형 44">
               <a:extLst>
                 <a:ext uri="{FF2B5EF4-FFF2-40B4-BE49-F238E27FC236}">
-                  <a16:creationId xmlns:a16="http://schemas.microsoft.com/office/drawing/2014/main" xmlns="" id="{9BB562E9-3F81-4003-A260-4B53443A91D6}"/>
+                  <a16:creationId xmlns:a16="http://schemas.microsoft.com/office/drawing/2014/main" id="{9BB562E9-3F81-4003-A260-4B53443A91D6}"/>
                 </a:ext>
               </a:extLst>
             </p:cNvPr>
@@ -5863,7 +5875,7 @@
             <p:cNvPr id="53" name="직선 연결선 52">
               <a:extLst>
                 <a:ext uri="{FF2B5EF4-FFF2-40B4-BE49-F238E27FC236}">
-                  <a16:creationId xmlns:a16="http://schemas.microsoft.com/office/drawing/2014/main" xmlns="" id="{0321CE52-54E5-4C9F-BAE5-ECEB72DB0B6B}"/>
+                  <a16:creationId xmlns:a16="http://schemas.microsoft.com/office/drawing/2014/main" id="{0321CE52-54E5-4C9F-BAE5-ECEB72DB0B6B}"/>
                 </a:ext>
               </a:extLst>
             </p:cNvPr>
@@ -5908,7 +5920,7 @@
           <p:cNvPr id="66" name="표 65">
             <a:extLst>
               <a:ext uri="{FF2B5EF4-FFF2-40B4-BE49-F238E27FC236}">
-                <a16:creationId xmlns:a16="http://schemas.microsoft.com/office/drawing/2014/main" xmlns="" id="{6150A898-A77A-4648-B2C4-A03ADA5C8CD3}"/>
+                <a16:creationId xmlns:a16="http://schemas.microsoft.com/office/drawing/2014/main" id="{6150A898-A77A-4648-B2C4-A03ADA5C8CD3}"/>
               </a:ext>
             </a:extLst>
           </p:cNvPr>
@@ -5937,21 +5949,21 @@
                 <a:gridCol w="1340134">
                   <a:extLst>
                     <a:ext uri="{9D8B030D-6E8A-4147-A177-3AD203B41FA5}">
-                      <a16:colId xmlns:a16="http://schemas.microsoft.com/office/drawing/2014/main" xmlns="" val="20000"/>
+                      <a16:colId xmlns:a16="http://schemas.microsoft.com/office/drawing/2014/main" val="20000"/>
                     </a:ext>
                   </a:extLst>
                 </a:gridCol>
                 <a:gridCol w="1112589">
                   <a:extLst>
                     <a:ext uri="{9D8B030D-6E8A-4147-A177-3AD203B41FA5}">
-                      <a16:colId xmlns:a16="http://schemas.microsoft.com/office/drawing/2014/main" xmlns="" val="959866616"/>
+                      <a16:colId xmlns:a16="http://schemas.microsoft.com/office/drawing/2014/main" val="959866616"/>
                     </a:ext>
                   </a:extLst>
                 </a:gridCol>
                 <a:gridCol w="903633">
                   <a:extLst>
                     <a:ext uri="{9D8B030D-6E8A-4147-A177-3AD203B41FA5}">
-                      <a16:colId xmlns:a16="http://schemas.microsoft.com/office/drawing/2014/main" xmlns="" val="20001"/>
+                      <a16:colId xmlns:a16="http://schemas.microsoft.com/office/drawing/2014/main" val="20001"/>
                     </a:ext>
                   </a:extLst>
                 </a:gridCol>
@@ -5964,7 +5976,7 @@
                     <a:p>
                       <a:pPr latinLnBrk="1"/>
                       <a:r>
-                        <a:rPr lang="en-US" altLang="ko-KR" sz="1400" dirty="0" smtClean="0"/>
+                        <a:rPr lang="en-US" altLang="ko-KR" sz="1400" dirty="0"/>
                         <a:t>10.0.0.0/24</a:t>
                       </a:r>
                       <a:endParaRPr lang="ko-KR" altLang="en-US" sz="1400" dirty="0"/>
@@ -6115,7 +6127,7 @@
                 </a:tc>
                 <a:extLst>
                   <a:ext uri="{0D108BD9-81ED-4DB2-BD59-A6C34878D82A}">
-                    <a16:rowId xmlns:a16="http://schemas.microsoft.com/office/drawing/2014/main" xmlns="" val="10000"/>
+                    <a16:rowId xmlns:a16="http://schemas.microsoft.com/office/drawing/2014/main" val="10000"/>
                   </a:ext>
                 </a:extLst>
               </a:tr>
@@ -6278,7 +6290,7 @@
                 </a:tc>
                 <a:extLst>
                   <a:ext uri="{0D108BD9-81ED-4DB2-BD59-A6C34878D82A}">
-                    <a16:rowId xmlns:a16="http://schemas.microsoft.com/office/drawing/2014/main" xmlns="" val="10001"/>
+                    <a16:rowId xmlns:a16="http://schemas.microsoft.com/office/drawing/2014/main" val="10001"/>
                   </a:ext>
                 </a:extLst>
               </a:tr>
@@ -6441,7 +6453,7 @@
                 </a:tc>
                 <a:extLst>
                   <a:ext uri="{0D108BD9-81ED-4DB2-BD59-A6C34878D82A}">
-                    <a16:rowId xmlns:a16="http://schemas.microsoft.com/office/drawing/2014/main" xmlns="" val="10002"/>
+                    <a16:rowId xmlns:a16="http://schemas.microsoft.com/office/drawing/2014/main" val="10002"/>
                   </a:ext>
                 </a:extLst>
               </a:tr>
@@ -6454,7 +6466,7 @@
           <p:cNvPr id="67" name="모서리가 둥근 직사각형 44">
             <a:extLst>
               <a:ext uri="{FF2B5EF4-FFF2-40B4-BE49-F238E27FC236}">
-                <a16:creationId xmlns:a16="http://schemas.microsoft.com/office/drawing/2014/main" xmlns="" id="{F7C0FDFB-B441-4E04-A1DC-B1A1A3FB9868}"/>
+                <a16:creationId xmlns:a16="http://schemas.microsoft.com/office/drawing/2014/main" id="{F7C0FDFB-B441-4E04-A1DC-B1A1A3FB9868}"/>
               </a:ext>
             </a:extLst>
           </p:cNvPr>
@@ -6508,7 +6520,7 @@
           <p:cNvPr id="68" name="모서리가 둥근 직사각형 44">
             <a:extLst>
               <a:ext uri="{FF2B5EF4-FFF2-40B4-BE49-F238E27FC236}">
-                <a16:creationId xmlns:a16="http://schemas.microsoft.com/office/drawing/2014/main" xmlns="" id="{27B03ADC-F842-458F-99ED-B4C5CBBABF52}"/>
+                <a16:creationId xmlns:a16="http://schemas.microsoft.com/office/drawing/2014/main" id="{27B03ADC-F842-458F-99ED-B4C5CBBABF52}"/>
               </a:ext>
             </a:extLst>
           </p:cNvPr>
@@ -6630,7 +6642,7 @@
           <p:cNvPr id="3" name="모서리가 둥근 직사각형 44">
             <a:extLst>
               <a:ext uri="{FF2B5EF4-FFF2-40B4-BE49-F238E27FC236}">
-                <a16:creationId xmlns:a16="http://schemas.microsoft.com/office/drawing/2014/main" xmlns="" id="{2DBA49E2-5203-48AC-9D0B-4B3C58EE231E}"/>
+                <a16:creationId xmlns:a16="http://schemas.microsoft.com/office/drawing/2014/main" id="{2DBA49E2-5203-48AC-9D0B-4B3C58EE231E}"/>
               </a:ext>
             </a:extLst>
           </p:cNvPr>
@@ -6668,8 +6680,12 @@
           <a:lstStyle/>
           <a:p>
             <a:r>
+              <a:rPr lang="en-US" altLang="ko-KR" sz="1600" b="1"/>
+              <a:t>Host </a:t>
+            </a:r>
+            <a:r>
               <a:rPr lang="en-US" altLang="ko-KR" sz="1600" b="1" dirty="0"/>
-              <a:t>Node 1 </a:t>
+              <a:t>1 </a:t>
             </a:r>
           </a:p>
           <a:p>
@@ -6709,21 +6725,21 @@
                 <a:gridCol w="1340134">
                   <a:extLst>
                     <a:ext uri="{9D8B030D-6E8A-4147-A177-3AD203B41FA5}">
-                      <a16:colId xmlns:a16="http://schemas.microsoft.com/office/drawing/2014/main" xmlns="" val="20000"/>
+                      <a16:colId xmlns:a16="http://schemas.microsoft.com/office/drawing/2014/main" val="20000"/>
                     </a:ext>
                   </a:extLst>
                 </a:gridCol>
                 <a:gridCol w="1112589">
                   <a:extLst>
                     <a:ext uri="{9D8B030D-6E8A-4147-A177-3AD203B41FA5}">
-                      <a16:colId xmlns:a16="http://schemas.microsoft.com/office/drawing/2014/main" xmlns="" val="959866616"/>
+                      <a16:colId xmlns:a16="http://schemas.microsoft.com/office/drawing/2014/main" val="959866616"/>
                     </a:ext>
                   </a:extLst>
                 </a:gridCol>
                 <a:gridCol w="903633">
                   <a:extLst>
                     <a:ext uri="{9D8B030D-6E8A-4147-A177-3AD203B41FA5}">
-                      <a16:colId xmlns:a16="http://schemas.microsoft.com/office/drawing/2014/main" xmlns="" val="20001"/>
+                      <a16:colId xmlns:a16="http://schemas.microsoft.com/office/drawing/2014/main" val="20001"/>
                     </a:ext>
                   </a:extLst>
                 </a:gridCol>
@@ -6736,7 +6752,7 @@
                     <a:p>
                       <a:pPr latinLnBrk="1"/>
                       <a:r>
-                        <a:rPr lang="en-US" altLang="ko-KR" sz="1400" dirty="0" smtClean="0"/>
+                        <a:rPr lang="en-US" altLang="ko-KR" sz="1400" dirty="0"/>
                         <a:t>10.0.0.0/24</a:t>
                       </a:r>
                       <a:endParaRPr lang="ko-KR" altLang="en-US" sz="1400" dirty="0"/>
@@ -6887,7 +6903,7 @@
                 </a:tc>
                 <a:extLst>
                   <a:ext uri="{0D108BD9-81ED-4DB2-BD59-A6C34878D82A}">
-                    <a16:rowId xmlns:a16="http://schemas.microsoft.com/office/drawing/2014/main" xmlns="" val="10000"/>
+                    <a16:rowId xmlns:a16="http://schemas.microsoft.com/office/drawing/2014/main" val="10000"/>
                   </a:ext>
                 </a:extLst>
               </a:tr>
@@ -7050,7 +7066,7 @@
                 </a:tc>
                 <a:extLst>
                   <a:ext uri="{0D108BD9-81ED-4DB2-BD59-A6C34878D82A}">
-                    <a16:rowId xmlns:a16="http://schemas.microsoft.com/office/drawing/2014/main" xmlns="" val="10001"/>
+                    <a16:rowId xmlns:a16="http://schemas.microsoft.com/office/drawing/2014/main" val="10001"/>
                   </a:ext>
                 </a:extLst>
               </a:tr>
@@ -7213,7 +7229,7 @@
                 </a:tc>
                 <a:extLst>
                   <a:ext uri="{0D108BD9-81ED-4DB2-BD59-A6C34878D82A}">
-                    <a16:rowId xmlns:a16="http://schemas.microsoft.com/office/drawing/2014/main" xmlns="" val="10002"/>
+                    <a16:rowId xmlns:a16="http://schemas.microsoft.com/office/drawing/2014/main" val="10002"/>
                   </a:ext>
                 </a:extLst>
               </a:tr>
@@ -7226,7 +7242,7 @@
           <p:cNvPr id="13" name="모서리가 둥근 직사각형 44">
             <a:extLst>
               <a:ext uri="{FF2B5EF4-FFF2-40B4-BE49-F238E27FC236}">
-                <a16:creationId xmlns:a16="http://schemas.microsoft.com/office/drawing/2014/main" xmlns="" id="{2DBA49E2-5203-48AC-9D0B-4B3C58EE231E}"/>
+                <a16:creationId xmlns:a16="http://schemas.microsoft.com/office/drawing/2014/main" id="{2DBA49E2-5203-48AC-9D0B-4B3C58EE231E}"/>
               </a:ext>
             </a:extLst>
           </p:cNvPr>
@@ -7277,7 +7293,7 @@
           <p:cNvPr id="14" name="모서리가 둥근 직사각형 44">
             <a:extLst>
               <a:ext uri="{FF2B5EF4-FFF2-40B4-BE49-F238E27FC236}">
-                <a16:creationId xmlns:a16="http://schemas.microsoft.com/office/drawing/2014/main" xmlns="" id="{2DBA49E2-5203-48AC-9D0B-4B3C58EE231E}"/>
+                <a16:creationId xmlns:a16="http://schemas.microsoft.com/office/drawing/2014/main" id="{2DBA49E2-5203-48AC-9D0B-4B3C58EE231E}"/>
               </a:ext>
             </a:extLst>
           </p:cNvPr>
@@ -7316,8 +7332,12 @@
           <a:p>
             <a:pPr algn="r"/>
             <a:r>
+              <a:rPr lang="en-US" altLang="ko-KR" sz="1600" b="1"/>
+              <a:t>Host </a:t>
+            </a:r>
+            <a:r>
               <a:rPr lang="en-US" altLang="ko-KR" sz="1600" b="1" dirty="0"/>
-              <a:t>Node 2 </a:t>
+              <a:t>2 </a:t>
             </a:r>
           </a:p>
           <a:p>
@@ -7335,7 +7355,7 @@
           <p:cNvPr id="21" name="모서리가 둥근 직사각형 44">
             <a:extLst>
               <a:ext uri="{FF2B5EF4-FFF2-40B4-BE49-F238E27FC236}">
-                <a16:creationId xmlns:a16="http://schemas.microsoft.com/office/drawing/2014/main" xmlns="" id="{2DBA49E2-5203-48AC-9D0B-4B3C58EE231E}"/>
+                <a16:creationId xmlns:a16="http://schemas.microsoft.com/office/drawing/2014/main" id="{2DBA49E2-5203-48AC-9D0B-4B3C58EE231E}"/>
               </a:ext>
             </a:extLst>
           </p:cNvPr>
@@ -7425,7 +7445,7 @@
           <p:cNvPr id="27" name="모서리가 둥근 직사각형 44">
             <a:extLst>
               <a:ext uri="{FF2B5EF4-FFF2-40B4-BE49-F238E27FC236}">
-                <a16:creationId xmlns:a16="http://schemas.microsoft.com/office/drawing/2014/main" xmlns="" id="{2DBA49E2-5203-48AC-9D0B-4B3C58EE231E}"/>
+                <a16:creationId xmlns:a16="http://schemas.microsoft.com/office/drawing/2014/main" id="{2DBA49E2-5203-48AC-9D0B-4B3C58EE231E}"/>
               </a:ext>
             </a:extLst>
           </p:cNvPr>
@@ -7479,7 +7499,7 @@
           <p:cNvPr id="30" name="모서리가 둥근 직사각형 44">
             <a:extLst>
               <a:ext uri="{FF2B5EF4-FFF2-40B4-BE49-F238E27FC236}">
-                <a16:creationId xmlns:a16="http://schemas.microsoft.com/office/drawing/2014/main" xmlns="" id="{2DBA49E2-5203-48AC-9D0B-4B3C58EE231E}"/>
+                <a16:creationId xmlns:a16="http://schemas.microsoft.com/office/drawing/2014/main" id="{2DBA49E2-5203-48AC-9D0B-4B3C58EE231E}"/>
               </a:ext>
             </a:extLst>
           </p:cNvPr>
@@ -7533,7 +7553,7 @@
           <p:cNvPr id="31" name="모서리가 둥근 직사각형 44">
             <a:extLst>
               <a:ext uri="{FF2B5EF4-FFF2-40B4-BE49-F238E27FC236}">
-                <a16:creationId xmlns:a16="http://schemas.microsoft.com/office/drawing/2014/main" xmlns="" id="{2DBA49E2-5203-48AC-9D0B-4B3C58EE231E}"/>
+                <a16:creationId xmlns:a16="http://schemas.microsoft.com/office/drawing/2014/main" id="{2DBA49E2-5203-48AC-9D0B-4B3C58EE231E}"/>
               </a:ext>
             </a:extLst>
           </p:cNvPr>
@@ -7578,8 +7598,12 @@
               <a:buChar char="•"/>
             </a:pPr>
             <a:r>
+              <a:rPr lang="en-US" altLang="ko-KR" sz="1400"/>
+              <a:t>Host </a:t>
+            </a:r>
+            <a:r>
               <a:rPr lang="en-US" altLang="ko-KR" sz="1400" dirty="0"/>
-              <a:t>Node Network : 10.0.0.0/24</a:t>
+              <a:t>Network : 10.0.0.0/24</a:t>
             </a:r>
           </a:p>
           <a:p>
@@ -7604,7 +7628,7 @@
           <p:cNvPr id="64" name="그룹 63">
             <a:extLst>
               <a:ext uri="{FF2B5EF4-FFF2-40B4-BE49-F238E27FC236}">
-                <a16:creationId xmlns:a16="http://schemas.microsoft.com/office/drawing/2014/main" xmlns="" id="{10774F19-BC79-4638-A196-328E0CBB560D}"/>
+                <a16:creationId xmlns:a16="http://schemas.microsoft.com/office/drawing/2014/main" id="{10774F19-BC79-4638-A196-328E0CBB560D}"/>
               </a:ext>
             </a:extLst>
           </p:cNvPr>
@@ -7624,7 +7648,7 @@
             <p:cNvPr id="4" name="모서리가 둥근 직사각형 44">
               <a:extLst>
                 <a:ext uri="{FF2B5EF4-FFF2-40B4-BE49-F238E27FC236}">
-                  <a16:creationId xmlns:a16="http://schemas.microsoft.com/office/drawing/2014/main" xmlns="" id="{2DBA49E2-5203-48AC-9D0B-4B3C58EE231E}"/>
+                  <a16:creationId xmlns:a16="http://schemas.microsoft.com/office/drawing/2014/main" id="{2DBA49E2-5203-48AC-9D0B-4B3C58EE231E}"/>
                 </a:ext>
               </a:extLst>
             </p:cNvPr>
@@ -7675,7 +7699,7 @@
             <p:cNvPr id="7" name="모서리가 둥근 직사각형 44">
               <a:extLst>
                 <a:ext uri="{FF2B5EF4-FFF2-40B4-BE49-F238E27FC236}">
-                  <a16:creationId xmlns:a16="http://schemas.microsoft.com/office/drawing/2014/main" xmlns="" id="{2DBA49E2-5203-48AC-9D0B-4B3C58EE231E}"/>
+                  <a16:creationId xmlns:a16="http://schemas.microsoft.com/office/drawing/2014/main" id="{2DBA49E2-5203-48AC-9D0B-4B3C58EE231E}"/>
                 </a:ext>
               </a:extLst>
             </p:cNvPr>
@@ -7726,7 +7750,7 @@
             <p:cNvPr id="8" name="모서리가 둥근 직사각형 44">
               <a:extLst>
                 <a:ext uri="{FF2B5EF4-FFF2-40B4-BE49-F238E27FC236}">
-                  <a16:creationId xmlns:a16="http://schemas.microsoft.com/office/drawing/2014/main" xmlns="" id="{2DBA49E2-5203-48AC-9D0B-4B3C58EE231E}"/>
+                  <a16:creationId xmlns:a16="http://schemas.microsoft.com/office/drawing/2014/main" id="{2DBA49E2-5203-48AC-9D0B-4B3C58EE231E}"/>
                 </a:ext>
               </a:extLst>
             </p:cNvPr>
@@ -7815,7 +7839,7 @@
             <p:cNvPr id="11" name="모서리가 둥근 직사각형 44">
               <a:extLst>
                 <a:ext uri="{FF2B5EF4-FFF2-40B4-BE49-F238E27FC236}">
-                  <a16:creationId xmlns:a16="http://schemas.microsoft.com/office/drawing/2014/main" xmlns="" id="{2DBA49E2-5203-48AC-9D0B-4B3C58EE231E}"/>
+                  <a16:creationId xmlns:a16="http://schemas.microsoft.com/office/drawing/2014/main" id="{2DBA49E2-5203-48AC-9D0B-4B3C58EE231E}"/>
                 </a:ext>
               </a:extLst>
             </p:cNvPr>
@@ -7869,7 +7893,7 @@
             <p:cNvPr id="24" name="모서리가 둥근 직사각형 44">
               <a:extLst>
                 <a:ext uri="{FF2B5EF4-FFF2-40B4-BE49-F238E27FC236}">
-                  <a16:creationId xmlns:a16="http://schemas.microsoft.com/office/drawing/2014/main" xmlns="" id="{132E9DD2-D948-42DB-82F3-0E457413DD3F}"/>
+                  <a16:creationId xmlns:a16="http://schemas.microsoft.com/office/drawing/2014/main" id="{132E9DD2-D948-42DB-82F3-0E457413DD3F}"/>
                 </a:ext>
               </a:extLst>
             </p:cNvPr>
@@ -7920,7 +7944,7 @@
             <p:cNvPr id="25" name="직선 연결선 24">
               <a:extLst>
                 <a:ext uri="{FF2B5EF4-FFF2-40B4-BE49-F238E27FC236}">
-                  <a16:creationId xmlns:a16="http://schemas.microsoft.com/office/drawing/2014/main" xmlns="" id="{61BD7EEA-19F2-4D88-A764-5AF89984B1EA}"/>
+                  <a16:creationId xmlns:a16="http://schemas.microsoft.com/office/drawing/2014/main" id="{61BD7EEA-19F2-4D88-A764-5AF89984B1EA}"/>
                 </a:ext>
               </a:extLst>
             </p:cNvPr>
@@ -7966,7 +7990,7 @@
           <p:cNvPr id="33" name="모서리가 둥근 직사각형 44">
             <a:extLst>
               <a:ext uri="{FF2B5EF4-FFF2-40B4-BE49-F238E27FC236}">
-                <a16:creationId xmlns:a16="http://schemas.microsoft.com/office/drawing/2014/main" xmlns="" id="{5D371582-3351-49B0-8D7F-4F129A5F3920}"/>
+                <a16:creationId xmlns:a16="http://schemas.microsoft.com/office/drawing/2014/main" id="{5D371582-3351-49B0-8D7F-4F129A5F3920}"/>
               </a:ext>
             </a:extLst>
           </p:cNvPr>
@@ -8017,7 +8041,7 @@
           <p:cNvPr id="38" name="직선 연결선 37">
             <a:extLst>
               <a:ext uri="{FF2B5EF4-FFF2-40B4-BE49-F238E27FC236}">
-                <a16:creationId xmlns:a16="http://schemas.microsoft.com/office/drawing/2014/main" xmlns="" id="{09B37B0D-55B5-4976-97E3-0866E1FD8943}"/>
+                <a16:creationId xmlns:a16="http://schemas.microsoft.com/office/drawing/2014/main" id="{09B37B0D-55B5-4976-97E3-0866E1FD8943}"/>
               </a:ext>
             </a:extLst>
           </p:cNvPr>
@@ -8062,7 +8086,7 @@
           <p:cNvPr id="44" name="모서리가 둥근 직사각형 44">
             <a:extLst>
               <a:ext uri="{FF2B5EF4-FFF2-40B4-BE49-F238E27FC236}">
-                <a16:creationId xmlns:a16="http://schemas.microsoft.com/office/drawing/2014/main" xmlns="" id="{C893FBBB-D0F7-4073-A0D9-7881714F7899}"/>
+                <a16:creationId xmlns:a16="http://schemas.microsoft.com/office/drawing/2014/main" id="{C893FBBB-D0F7-4073-A0D9-7881714F7899}"/>
               </a:ext>
             </a:extLst>
           </p:cNvPr>
@@ -8116,7 +8140,7 @@
           <p:cNvPr id="46" name="모서리가 둥근 직사각형 44">
             <a:extLst>
               <a:ext uri="{FF2B5EF4-FFF2-40B4-BE49-F238E27FC236}">
-                <a16:creationId xmlns:a16="http://schemas.microsoft.com/office/drawing/2014/main" xmlns="" id="{95B9EDE0-0723-4F2D-BFF7-73B214A5936B}"/>
+                <a16:creationId xmlns:a16="http://schemas.microsoft.com/office/drawing/2014/main" id="{95B9EDE0-0723-4F2D-BFF7-73B214A5936B}"/>
               </a:ext>
             </a:extLst>
           </p:cNvPr>
@@ -8167,7 +8191,7 @@
           <p:cNvPr id="47" name="모서리가 둥근 직사각형 44">
             <a:extLst>
               <a:ext uri="{FF2B5EF4-FFF2-40B4-BE49-F238E27FC236}">
-                <a16:creationId xmlns:a16="http://schemas.microsoft.com/office/drawing/2014/main" xmlns="" id="{B339626E-B180-444C-BB70-6D6B5F7F937E}"/>
+                <a16:creationId xmlns:a16="http://schemas.microsoft.com/office/drawing/2014/main" id="{B339626E-B180-444C-BB70-6D6B5F7F937E}"/>
               </a:ext>
             </a:extLst>
           </p:cNvPr>
@@ -8221,7 +8245,7 @@
           <p:cNvPr id="48" name="직선 연결선 47">
             <a:extLst>
               <a:ext uri="{FF2B5EF4-FFF2-40B4-BE49-F238E27FC236}">
-                <a16:creationId xmlns:a16="http://schemas.microsoft.com/office/drawing/2014/main" xmlns="" id="{FB912369-3521-4E97-9D1E-6215FB395FB5}"/>
+                <a16:creationId xmlns:a16="http://schemas.microsoft.com/office/drawing/2014/main" id="{FB912369-3521-4E97-9D1E-6215FB395FB5}"/>
               </a:ext>
             </a:extLst>
           </p:cNvPr>
@@ -8266,7 +8290,7 @@
           <p:cNvPr id="65" name="그룹 64">
             <a:extLst>
               <a:ext uri="{FF2B5EF4-FFF2-40B4-BE49-F238E27FC236}">
-                <a16:creationId xmlns:a16="http://schemas.microsoft.com/office/drawing/2014/main" xmlns="" id="{6E6B2E12-C7C8-460C-A7BC-847842E9C038}"/>
+                <a16:creationId xmlns:a16="http://schemas.microsoft.com/office/drawing/2014/main" id="{6E6B2E12-C7C8-460C-A7BC-847842E9C038}"/>
               </a:ext>
             </a:extLst>
           </p:cNvPr>
@@ -8286,7 +8310,7 @@
             <p:cNvPr id="15" name="모서리가 둥근 직사각형 44">
               <a:extLst>
                 <a:ext uri="{FF2B5EF4-FFF2-40B4-BE49-F238E27FC236}">
-                  <a16:creationId xmlns:a16="http://schemas.microsoft.com/office/drawing/2014/main" xmlns="" id="{2DBA49E2-5203-48AC-9D0B-4B3C58EE231E}"/>
+                  <a16:creationId xmlns:a16="http://schemas.microsoft.com/office/drawing/2014/main" id="{2DBA49E2-5203-48AC-9D0B-4B3C58EE231E}"/>
                 </a:ext>
               </a:extLst>
             </p:cNvPr>
@@ -8337,7 +8361,7 @@
             <p:cNvPr id="17" name="모서리가 둥근 직사각형 44">
               <a:extLst>
                 <a:ext uri="{FF2B5EF4-FFF2-40B4-BE49-F238E27FC236}">
-                  <a16:creationId xmlns:a16="http://schemas.microsoft.com/office/drawing/2014/main" xmlns="" id="{2DBA49E2-5203-48AC-9D0B-4B3C58EE231E}"/>
+                  <a16:creationId xmlns:a16="http://schemas.microsoft.com/office/drawing/2014/main" id="{2DBA49E2-5203-48AC-9D0B-4B3C58EE231E}"/>
                 </a:ext>
               </a:extLst>
             </p:cNvPr>
@@ -8388,7 +8412,7 @@
             <p:cNvPr id="18" name="모서리가 둥근 직사각형 44">
               <a:extLst>
                 <a:ext uri="{FF2B5EF4-FFF2-40B4-BE49-F238E27FC236}">
-                  <a16:creationId xmlns:a16="http://schemas.microsoft.com/office/drawing/2014/main" xmlns="" id="{2DBA49E2-5203-48AC-9D0B-4B3C58EE231E}"/>
+                  <a16:creationId xmlns:a16="http://schemas.microsoft.com/office/drawing/2014/main" id="{2DBA49E2-5203-48AC-9D0B-4B3C58EE231E}"/>
                 </a:ext>
               </a:extLst>
             </p:cNvPr>
@@ -8477,7 +8501,7 @@
             <p:cNvPr id="20" name="모서리가 둥근 직사각형 44">
               <a:extLst>
                 <a:ext uri="{FF2B5EF4-FFF2-40B4-BE49-F238E27FC236}">
-                  <a16:creationId xmlns:a16="http://schemas.microsoft.com/office/drawing/2014/main" xmlns="" id="{2DBA49E2-5203-48AC-9D0B-4B3C58EE231E}"/>
+                  <a16:creationId xmlns:a16="http://schemas.microsoft.com/office/drawing/2014/main" id="{2DBA49E2-5203-48AC-9D0B-4B3C58EE231E}"/>
                 </a:ext>
               </a:extLst>
             </p:cNvPr>
@@ -8531,7 +8555,7 @@
             <p:cNvPr id="52" name="모서리가 둥근 직사각형 44">
               <a:extLst>
                 <a:ext uri="{FF2B5EF4-FFF2-40B4-BE49-F238E27FC236}">
-                  <a16:creationId xmlns:a16="http://schemas.microsoft.com/office/drawing/2014/main" xmlns="" id="{9BB562E9-3F81-4003-A260-4B53443A91D6}"/>
+                  <a16:creationId xmlns:a16="http://schemas.microsoft.com/office/drawing/2014/main" id="{9BB562E9-3F81-4003-A260-4B53443A91D6}"/>
                 </a:ext>
               </a:extLst>
             </p:cNvPr>
@@ -8582,7 +8606,7 @@
             <p:cNvPr id="53" name="직선 연결선 52">
               <a:extLst>
                 <a:ext uri="{FF2B5EF4-FFF2-40B4-BE49-F238E27FC236}">
-                  <a16:creationId xmlns:a16="http://schemas.microsoft.com/office/drawing/2014/main" xmlns="" id="{0321CE52-54E5-4C9F-BAE5-ECEB72DB0B6B}"/>
+                  <a16:creationId xmlns:a16="http://schemas.microsoft.com/office/drawing/2014/main" id="{0321CE52-54E5-4C9F-BAE5-ECEB72DB0B6B}"/>
                 </a:ext>
               </a:extLst>
             </p:cNvPr>
@@ -8627,7 +8651,7 @@
           <p:cNvPr id="66" name="표 65">
             <a:extLst>
               <a:ext uri="{FF2B5EF4-FFF2-40B4-BE49-F238E27FC236}">
-                <a16:creationId xmlns:a16="http://schemas.microsoft.com/office/drawing/2014/main" xmlns="" id="{6150A898-A77A-4648-B2C4-A03ADA5C8CD3}"/>
+                <a16:creationId xmlns:a16="http://schemas.microsoft.com/office/drawing/2014/main" id="{6150A898-A77A-4648-B2C4-A03ADA5C8CD3}"/>
               </a:ext>
             </a:extLst>
           </p:cNvPr>
@@ -8656,21 +8680,21 @@
                 <a:gridCol w="1340134">
                   <a:extLst>
                     <a:ext uri="{9D8B030D-6E8A-4147-A177-3AD203B41FA5}">
-                      <a16:colId xmlns:a16="http://schemas.microsoft.com/office/drawing/2014/main" xmlns="" val="20000"/>
+                      <a16:colId xmlns:a16="http://schemas.microsoft.com/office/drawing/2014/main" val="20000"/>
                     </a:ext>
                   </a:extLst>
                 </a:gridCol>
                 <a:gridCol w="1112589">
                   <a:extLst>
                     <a:ext uri="{9D8B030D-6E8A-4147-A177-3AD203B41FA5}">
-                      <a16:colId xmlns:a16="http://schemas.microsoft.com/office/drawing/2014/main" xmlns="" val="959866616"/>
+                      <a16:colId xmlns:a16="http://schemas.microsoft.com/office/drawing/2014/main" val="959866616"/>
                     </a:ext>
                   </a:extLst>
                 </a:gridCol>
                 <a:gridCol w="903633">
                   <a:extLst>
                     <a:ext uri="{9D8B030D-6E8A-4147-A177-3AD203B41FA5}">
-                      <a16:colId xmlns:a16="http://schemas.microsoft.com/office/drawing/2014/main" xmlns="" val="20001"/>
+                      <a16:colId xmlns:a16="http://schemas.microsoft.com/office/drawing/2014/main" val="20001"/>
                     </a:ext>
                   </a:extLst>
                 </a:gridCol>
@@ -8683,7 +8707,7 @@
                     <a:p>
                       <a:pPr latinLnBrk="1"/>
                       <a:r>
-                        <a:rPr lang="en-US" altLang="ko-KR" sz="1400" dirty="0" smtClean="0"/>
+                        <a:rPr lang="en-US" altLang="ko-KR" sz="1400" dirty="0"/>
                         <a:t>10.0.0.0/24</a:t>
                       </a:r>
                       <a:endParaRPr lang="ko-KR" altLang="en-US" sz="1400" dirty="0"/>
@@ -8834,7 +8858,7 @@
                 </a:tc>
                 <a:extLst>
                   <a:ext uri="{0D108BD9-81ED-4DB2-BD59-A6C34878D82A}">
-                    <a16:rowId xmlns:a16="http://schemas.microsoft.com/office/drawing/2014/main" xmlns="" val="10000"/>
+                    <a16:rowId xmlns:a16="http://schemas.microsoft.com/office/drawing/2014/main" val="10000"/>
                   </a:ext>
                 </a:extLst>
               </a:tr>
@@ -8997,7 +9021,7 @@
                 </a:tc>
                 <a:extLst>
                   <a:ext uri="{0D108BD9-81ED-4DB2-BD59-A6C34878D82A}">
-                    <a16:rowId xmlns:a16="http://schemas.microsoft.com/office/drawing/2014/main" xmlns="" val="10001"/>
+                    <a16:rowId xmlns:a16="http://schemas.microsoft.com/office/drawing/2014/main" val="10001"/>
                   </a:ext>
                 </a:extLst>
               </a:tr>
@@ -9160,7 +9184,7 @@
                 </a:tc>
                 <a:extLst>
                   <a:ext uri="{0D108BD9-81ED-4DB2-BD59-A6C34878D82A}">
-                    <a16:rowId xmlns:a16="http://schemas.microsoft.com/office/drawing/2014/main" xmlns="" val="10002"/>
+                    <a16:rowId xmlns:a16="http://schemas.microsoft.com/office/drawing/2014/main" val="10002"/>
                   </a:ext>
                 </a:extLst>
               </a:tr>
@@ -9173,7 +9197,7 @@
           <p:cNvPr id="67" name="모서리가 둥근 직사각형 44">
             <a:extLst>
               <a:ext uri="{FF2B5EF4-FFF2-40B4-BE49-F238E27FC236}">
-                <a16:creationId xmlns:a16="http://schemas.microsoft.com/office/drawing/2014/main" xmlns="" id="{F7C0FDFB-B441-4E04-A1DC-B1A1A3FB9868}"/>
+                <a16:creationId xmlns:a16="http://schemas.microsoft.com/office/drawing/2014/main" id="{F7C0FDFB-B441-4E04-A1DC-B1A1A3FB9868}"/>
               </a:ext>
             </a:extLst>
           </p:cNvPr>
@@ -9227,7 +9251,7 @@
           <p:cNvPr id="68" name="모서리가 둥근 직사각형 44">
             <a:extLst>
               <a:ext uri="{FF2B5EF4-FFF2-40B4-BE49-F238E27FC236}">
-                <a16:creationId xmlns:a16="http://schemas.microsoft.com/office/drawing/2014/main" xmlns="" id="{27B03ADC-F842-458F-99ED-B4C5CBBABF52}"/>
+                <a16:creationId xmlns:a16="http://schemas.microsoft.com/office/drawing/2014/main" id="{27B03ADC-F842-458F-99ED-B4C5CBBABF52}"/>
               </a:ext>
             </a:extLst>
           </p:cNvPr>

--- a/images/theory_analysis/Kubernetes_flannel_Plugin/Kubernetes_flannel_Plugin.pptx
+++ b/images/theory_analysis/Kubernetes_flannel_Plugin/Kubernetes_flannel_Plugin.pptx
@@ -215,7 +215,7 @@
           <a:p>
             <a:fld id="{6CD5550B-26C4-49A9-A5BA-636EF7BE6CE9}" type="datetimeFigureOut">
               <a:rPr lang="ko-KR" altLang="en-US" smtClean="0"/>
-              <a:t>2019-02-04</a:t>
+              <a:t>2019-06-04</a:t>
             </a:fld>
             <a:endParaRPr lang="ko-KR" altLang="en-US"/>
           </a:p>
@@ -913,7 +913,7 @@
           <a:p>
             <a:fld id="{FB30EDBD-1C2D-4C1E-B459-B60219FAB484}" type="datetimeFigureOut">
               <a:rPr lang="ko-KR" altLang="en-US" smtClean="0"/>
-              <a:t>2019-02-04</a:t>
+              <a:t>2019-06-04</a:t>
             </a:fld>
             <a:endParaRPr lang="ko-KR" altLang="en-US"/>
           </a:p>
@@ -1076,7 +1076,7 @@
           <a:p>
             <a:fld id="{FB30EDBD-1C2D-4C1E-B459-B60219FAB484}" type="datetimeFigureOut">
               <a:rPr lang="ko-KR" altLang="en-US" smtClean="0"/>
-              <a:t>2019-02-04</a:t>
+              <a:t>2019-06-04</a:t>
             </a:fld>
             <a:endParaRPr lang="ko-KR" altLang="en-US"/>
           </a:p>
@@ -1249,7 +1249,7 @@
           <a:p>
             <a:fld id="{FB30EDBD-1C2D-4C1E-B459-B60219FAB484}" type="datetimeFigureOut">
               <a:rPr lang="ko-KR" altLang="en-US" smtClean="0"/>
-              <a:t>2019-02-04</a:t>
+              <a:t>2019-06-04</a:t>
             </a:fld>
             <a:endParaRPr lang="ko-KR" altLang="en-US"/>
           </a:p>
@@ -1412,7 +1412,7 @@
           <a:p>
             <a:fld id="{FB30EDBD-1C2D-4C1E-B459-B60219FAB484}" type="datetimeFigureOut">
               <a:rPr lang="ko-KR" altLang="en-US" smtClean="0"/>
-              <a:t>2019-02-04</a:t>
+              <a:t>2019-06-04</a:t>
             </a:fld>
             <a:endParaRPr lang="ko-KR" altLang="en-US"/>
           </a:p>
@@ -1652,7 +1652,7 @@
           <a:p>
             <a:fld id="{FB30EDBD-1C2D-4C1E-B459-B60219FAB484}" type="datetimeFigureOut">
               <a:rPr lang="ko-KR" altLang="en-US" smtClean="0"/>
-              <a:t>2019-02-04</a:t>
+              <a:t>2019-06-04</a:t>
             </a:fld>
             <a:endParaRPr lang="ko-KR" altLang="en-US"/>
           </a:p>
@@ -1932,7 +1932,7 @@
           <a:p>
             <a:fld id="{FB30EDBD-1C2D-4C1E-B459-B60219FAB484}" type="datetimeFigureOut">
               <a:rPr lang="ko-KR" altLang="en-US" smtClean="0"/>
-              <a:t>2019-02-04</a:t>
+              <a:t>2019-06-04</a:t>
             </a:fld>
             <a:endParaRPr lang="ko-KR" altLang="en-US"/>
           </a:p>
@@ -2346,7 +2346,7 @@
           <a:p>
             <a:fld id="{FB30EDBD-1C2D-4C1E-B459-B60219FAB484}" type="datetimeFigureOut">
               <a:rPr lang="ko-KR" altLang="en-US" smtClean="0"/>
-              <a:t>2019-02-04</a:t>
+              <a:t>2019-06-04</a:t>
             </a:fld>
             <a:endParaRPr lang="ko-KR" altLang="en-US"/>
           </a:p>
@@ -2458,7 +2458,7 @@
           <a:p>
             <a:fld id="{FB30EDBD-1C2D-4C1E-B459-B60219FAB484}" type="datetimeFigureOut">
               <a:rPr lang="ko-KR" altLang="en-US" smtClean="0"/>
-              <a:t>2019-02-04</a:t>
+              <a:t>2019-06-04</a:t>
             </a:fld>
             <a:endParaRPr lang="ko-KR" altLang="en-US"/>
           </a:p>
@@ -2548,7 +2548,7 @@
           <a:p>
             <a:fld id="{FB30EDBD-1C2D-4C1E-B459-B60219FAB484}" type="datetimeFigureOut">
               <a:rPr lang="ko-KR" altLang="en-US" smtClean="0"/>
-              <a:t>2019-02-04</a:t>
+              <a:t>2019-06-04</a:t>
             </a:fld>
             <a:endParaRPr lang="ko-KR" altLang="en-US"/>
           </a:p>
@@ -2818,7 +2818,7 @@
           <a:p>
             <a:fld id="{FB30EDBD-1C2D-4C1E-B459-B60219FAB484}" type="datetimeFigureOut">
               <a:rPr lang="ko-KR" altLang="en-US" smtClean="0"/>
-              <a:t>2019-02-04</a:t>
+              <a:t>2019-06-04</a:t>
             </a:fld>
             <a:endParaRPr lang="ko-KR" altLang="en-US"/>
           </a:p>
@@ -3065,7 +3065,7 @@
           <a:p>
             <a:fld id="{FB30EDBD-1C2D-4C1E-B459-B60219FAB484}" type="datetimeFigureOut">
               <a:rPr lang="ko-KR" altLang="en-US" smtClean="0"/>
-              <a:t>2019-02-04</a:t>
+              <a:t>2019-06-04</a:t>
             </a:fld>
             <a:endParaRPr lang="ko-KR" altLang="en-US"/>
           </a:p>
@@ -3271,7 +3271,7 @@
           <a:p>
             <a:fld id="{FB30EDBD-1C2D-4C1E-B459-B60219FAB484}" type="datetimeFigureOut">
               <a:rPr lang="ko-KR" altLang="en-US" smtClean="0"/>
-              <a:t>2019-02-04</a:t>
+              <a:t>2019-06-04</a:t>
             </a:fld>
             <a:endParaRPr lang="ko-KR" altLang="en-US"/>
           </a:p>
@@ -4275,7 +4275,7 @@
           <p:nvPr>
             <p:extLst>
               <p:ext uri="{D42A27DB-BD31-4B8C-83A1-F6EECF244321}">
-                <p14:modId xmlns:p14="http://schemas.microsoft.com/office/powerpoint/2010/main" val="447069705"/>
+                <p14:modId xmlns:p14="http://schemas.microsoft.com/office/powerpoint/2010/main" val="1667443481"/>
               </p:ext>
             </p:extLst>
           </p:nvPr>
@@ -4374,7 +4374,7 @@
                       <a:pPr latinLnBrk="1"/>
                       <a:r>
                         <a:rPr lang="en-US" altLang="ko-KR" sz="1400"/>
-                        <a:t>0.0.0.0</a:t>
+                        <a:t>10.0.0.1</a:t>
                       </a:r>
                       <a:endParaRPr lang="ko-KR" altLang="en-US" sz="1400" dirty="0"/>
                     </a:p>
@@ -5930,7 +5930,7 @@
           <p:nvPr>
             <p:extLst>
               <p:ext uri="{D42A27DB-BD31-4B8C-83A1-F6EECF244321}">
-                <p14:modId xmlns:p14="http://schemas.microsoft.com/office/powerpoint/2010/main" val="1469325341"/>
+                <p14:modId xmlns:p14="http://schemas.microsoft.com/office/powerpoint/2010/main" val="3227435612"/>
               </p:ext>
             </p:extLst>
           </p:nvPr>
@@ -6029,7 +6029,7 @@
                       <a:pPr latinLnBrk="1"/>
                       <a:r>
                         <a:rPr lang="en-US" altLang="ko-KR" sz="1400"/>
-                        <a:t>0.0.0.0</a:t>
+                        <a:t>10.0.0.1</a:t>
                       </a:r>
                       <a:endParaRPr lang="ko-KR" altLang="en-US" sz="1400" dirty="0"/>
                     </a:p>
@@ -6706,7 +6706,7 @@
           <p:nvPr>
             <p:extLst>
               <p:ext uri="{D42A27DB-BD31-4B8C-83A1-F6EECF244321}">
-                <p14:modId xmlns:p14="http://schemas.microsoft.com/office/powerpoint/2010/main" val="2826470150"/>
+                <p14:modId xmlns:p14="http://schemas.microsoft.com/office/powerpoint/2010/main" val="4057131330"/>
               </p:ext>
             </p:extLst>
           </p:nvPr>
@@ -6805,7 +6805,7 @@
                       <a:pPr latinLnBrk="1"/>
                       <a:r>
                         <a:rPr lang="en-US" altLang="ko-KR" sz="1400"/>
-                        <a:t>0.0.0.0</a:t>
+                        <a:t>10.0.0.1</a:t>
                       </a:r>
                       <a:endParaRPr lang="ko-KR" altLang="en-US" sz="1400" dirty="0"/>
                     </a:p>
@@ -8661,7 +8661,7 @@
           <p:nvPr>
             <p:extLst>
               <p:ext uri="{D42A27DB-BD31-4B8C-83A1-F6EECF244321}">
-                <p14:modId xmlns:p14="http://schemas.microsoft.com/office/powerpoint/2010/main" val="3501965007"/>
+                <p14:modId xmlns:p14="http://schemas.microsoft.com/office/powerpoint/2010/main" val="3247727447"/>
               </p:ext>
             </p:extLst>
           </p:nvPr>
@@ -8760,7 +8760,7 @@
                       <a:pPr latinLnBrk="1"/>
                       <a:r>
                         <a:rPr lang="en-US" altLang="ko-KR" sz="1400"/>
-                        <a:t>0.0.0.0</a:t>
+                        <a:t>10.0.0.1</a:t>
                       </a:r>
                       <a:endParaRPr lang="ko-KR" altLang="en-US" sz="1400" dirty="0"/>
                     </a:p>

--- a/images/theory_analysis/Kubernetes_flannel_Plugin/Kubernetes_flannel_Plugin.pptx
+++ b/images/theory_analysis/Kubernetes_flannel_Plugin/Kubernetes_flannel_Plugin.pptx
@@ -215,7 +215,7 @@
           <a:p>
             <a:fld id="{6CD5550B-26C4-49A9-A5BA-636EF7BE6CE9}" type="datetimeFigureOut">
               <a:rPr lang="ko-KR" altLang="en-US" smtClean="0"/>
-              <a:t>2019-06-04</a:t>
+              <a:t>2019-12-02</a:t>
             </a:fld>
             <a:endParaRPr lang="ko-KR" altLang="en-US"/>
           </a:p>
@@ -913,7 +913,7 @@
           <a:p>
             <a:fld id="{FB30EDBD-1C2D-4C1E-B459-B60219FAB484}" type="datetimeFigureOut">
               <a:rPr lang="ko-KR" altLang="en-US" smtClean="0"/>
-              <a:t>2019-06-04</a:t>
+              <a:t>2019-12-02</a:t>
             </a:fld>
             <a:endParaRPr lang="ko-KR" altLang="en-US"/>
           </a:p>
@@ -1076,7 +1076,7 @@
           <a:p>
             <a:fld id="{FB30EDBD-1C2D-4C1E-B459-B60219FAB484}" type="datetimeFigureOut">
               <a:rPr lang="ko-KR" altLang="en-US" smtClean="0"/>
-              <a:t>2019-06-04</a:t>
+              <a:t>2019-12-02</a:t>
             </a:fld>
             <a:endParaRPr lang="ko-KR" altLang="en-US"/>
           </a:p>
@@ -1249,7 +1249,7 @@
           <a:p>
             <a:fld id="{FB30EDBD-1C2D-4C1E-B459-B60219FAB484}" type="datetimeFigureOut">
               <a:rPr lang="ko-KR" altLang="en-US" smtClean="0"/>
-              <a:t>2019-06-04</a:t>
+              <a:t>2019-12-02</a:t>
             </a:fld>
             <a:endParaRPr lang="ko-KR" altLang="en-US"/>
           </a:p>
@@ -1412,7 +1412,7 @@
           <a:p>
             <a:fld id="{FB30EDBD-1C2D-4C1E-B459-B60219FAB484}" type="datetimeFigureOut">
               <a:rPr lang="ko-KR" altLang="en-US" smtClean="0"/>
-              <a:t>2019-06-04</a:t>
+              <a:t>2019-12-02</a:t>
             </a:fld>
             <a:endParaRPr lang="ko-KR" altLang="en-US"/>
           </a:p>
@@ -1652,7 +1652,7 @@
           <a:p>
             <a:fld id="{FB30EDBD-1C2D-4C1E-B459-B60219FAB484}" type="datetimeFigureOut">
               <a:rPr lang="ko-KR" altLang="en-US" smtClean="0"/>
-              <a:t>2019-06-04</a:t>
+              <a:t>2019-12-02</a:t>
             </a:fld>
             <a:endParaRPr lang="ko-KR" altLang="en-US"/>
           </a:p>
@@ -1932,7 +1932,7 @@
           <a:p>
             <a:fld id="{FB30EDBD-1C2D-4C1E-B459-B60219FAB484}" type="datetimeFigureOut">
               <a:rPr lang="ko-KR" altLang="en-US" smtClean="0"/>
-              <a:t>2019-06-04</a:t>
+              <a:t>2019-12-02</a:t>
             </a:fld>
             <a:endParaRPr lang="ko-KR" altLang="en-US"/>
           </a:p>
@@ -2346,7 +2346,7 @@
           <a:p>
             <a:fld id="{FB30EDBD-1C2D-4C1E-B459-B60219FAB484}" type="datetimeFigureOut">
               <a:rPr lang="ko-KR" altLang="en-US" smtClean="0"/>
-              <a:t>2019-06-04</a:t>
+              <a:t>2019-12-02</a:t>
             </a:fld>
             <a:endParaRPr lang="ko-KR" altLang="en-US"/>
           </a:p>
@@ -2458,7 +2458,7 @@
           <a:p>
             <a:fld id="{FB30EDBD-1C2D-4C1E-B459-B60219FAB484}" type="datetimeFigureOut">
               <a:rPr lang="ko-KR" altLang="en-US" smtClean="0"/>
-              <a:t>2019-06-04</a:t>
+              <a:t>2019-12-02</a:t>
             </a:fld>
             <a:endParaRPr lang="ko-KR" altLang="en-US"/>
           </a:p>
@@ -2548,7 +2548,7 @@
           <a:p>
             <a:fld id="{FB30EDBD-1C2D-4C1E-B459-B60219FAB484}" type="datetimeFigureOut">
               <a:rPr lang="ko-KR" altLang="en-US" smtClean="0"/>
-              <a:t>2019-06-04</a:t>
+              <a:t>2019-12-02</a:t>
             </a:fld>
             <a:endParaRPr lang="ko-KR" altLang="en-US"/>
           </a:p>
@@ -2818,7 +2818,7 @@
           <a:p>
             <a:fld id="{FB30EDBD-1C2D-4C1E-B459-B60219FAB484}" type="datetimeFigureOut">
               <a:rPr lang="ko-KR" altLang="en-US" smtClean="0"/>
-              <a:t>2019-06-04</a:t>
+              <a:t>2019-12-02</a:t>
             </a:fld>
             <a:endParaRPr lang="ko-KR" altLang="en-US"/>
           </a:p>
@@ -3065,7 +3065,7 @@
           <a:p>
             <a:fld id="{FB30EDBD-1C2D-4C1E-B459-B60219FAB484}" type="datetimeFigureOut">
               <a:rPr lang="ko-KR" altLang="en-US" smtClean="0"/>
-              <a:t>2019-06-04</a:t>
+              <a:t>2019-12-02</a:t>
             </a:fld>
             <a:endParaRPr lang="ko-KR" altLang="en-US"/>
           </a:p>
@@ -3271,7 +3271,7 @@
           <a:p>
             <a:fld id="{FB30EDBD-1C2D-4C1E-B459-B60219FAB484}" type="datetimeFigureOut">
               <a:rPr lang="ko-KR" altLang="en-US" smtClean="0"/>
-              <a:t>2019-06-04</a:t>
+              <a:t>2019-12-02</a:t>
             </a:fld>
             <a:endParaRPr lang="ko-KR" altLang="en-US"/>
           </a:p>
@@ -4180,7 +4180,7 @@
         </p:nvSpPr>
         <p:spPr>
           <a:xfrm>
-            <a:off x="179512" y="-20538"/>
+            <a:off x="179512" y="-164554"/>
             <a:ext cx="8784976" cy="857250"/>
           </a:xfrm>
         </p:spPr>
@@ -6611,7 +6611,7 @@
         </p:nvSpPr>
         <p:spPr>
           <a:xfrm>
-            <a:off x="457200" y="-20538"/>
+            <a:off x="457200" y="-164554"/>
             <a:ext cx="8229600" cy="857250"/>
           </a:xfrm>
         </p:spPr>

--- a/images/theory_analysis/Kubernetes_flannel_Plugin/Kubernetes_flannel_Plugin.pptx
+++ b/images/theory_analysis/Kubernetes_flannel_Plugin/Kubernetes_flannel_Plugin.pptx
@@ -215,7 +215,7 @@
           <a:p>
             <a:fld id="{6CD5550B-26C4-49A9-A5BA-636EF7BE6CE9}" type="datetimeFigureOut">
               <a:rPr lang="ko-KR" altLang="en-US" smtClean="0"/>
-              <a:t>2019-12-02</a:t>
+              <a:t>2019-12-06</a:t>
             </a:fld>
             <a:endParaRPr lang="ko-KR" altLang="en-US"/>
           </a:p>
@@ -913,7 +913,7 @@
           <a:p>
             <a:fld id="{FB30EDBD-1C2D-4C1E-B459-B60219FAB484}" type="datetimeFigureOut">
               <a:rPr lang="ko-KR" altLang="en-US" smtClean="0"/>
-              <a:t>2019-12-02</a:t>
+              <a:t>2019-12-06</a:t>
             </a:fld>
             <a:endParaRPr lang="ko-KR" altLang="en-US"/>
           </a:p>
@@ -1076,7 +1076,7 @@
           <a:p>
             <a:fld id="{FB30EDBD-1C2D-4C1E-B459-B60219FAB484}" type="datetimeFigureOut">
               <a:rPr lang="ko-KR" altLang="en-US" smtClean="0"/>
-              <a:t>2019-12-02</a:t>
+              <a:t>2019-12-06</a:t>
             </a:fld>
             <a:endParaRPr lang="ko-KR" altLang="en-US"/>
           </a:p>
@@ -1249,7 +1249,7 @@
           <a:p>
             <a:fld id="{FB30EDBD-1C2D-4C1E-B459-B60219FAB484}" type="datetimeFigureOut">
               <a:rPr lang="ko-KR" altLang="en-US" smtClean="0"/>
-              <a:t>2019-12-02</a:t>
+              <a:t>2019-12-06</a:t>
             </a:fld>
             <a:endParaRPr lang="ko-KR" altLang="en-US"/>
           </a:p>
@@ -1412,7 +1412,7 @@
           <a:p>
             <a:fld id="{FB30EDBD-1C2D-4C1E-B459-B60219FAB484}" type="datetimeFigureOut">
               <a:rPr lang="ko-KR" altLang="en-US" smtClean="0"/>
-              <a:t>2019-12-02</a:t>
+              <a:t>2019-12-06</a:t>
             </a:fld>
             <a:endParaRPr lang="ko-KR" altLang="en-US"/>
           </a:p>
@@ -1652,7 +1652,7 @@
           <a:p>
             <a:fld id="{FB30EDBD-1C2D-4C1E-B459-B60219FAB484}" type="datetimeFigureOut">
               <a:rPr lang="ko-KR" altLang="en-US" smtClean="0"/>
-              <a:t>2019-12-02</a:t>
+              <a:t>2019-12-06</a:t>
             </a:fld>
             <a:endParaRPr lang="ko-KR" altLang="en-US"/>
           </a:p>
@@ -1932,7 +1932,7 @@
           <a:p>
             <a:fld id="{FB30EDBD-1C2D-4C1E-B459-B60219FAB484}" type="datetimeFigureOut">
               <a:rPr lang="ko-KR" altLang="en-US" smtClean="0"/>
-              <a:t>2019-12-02</a:t>
+              <a:t>2019-12-06</a:t>
             </a:fld>
             <a:endParaRPr lang="ko-KR" altLang="en-US"/>
           </a:p>
@@ -2346,7 +2346,7 @@
           <a:p>
             <a:fld id="{FB30EDBD-1C2D-4C1E-B459-B60219FAB484}" type="datetimeFigureOut">
               <a:rPr lang="ko-KR" altLang="en-US" smtClean="0"/>
-              <a:t>2019-12-02</a:t>
+              <a:t>2019-12-06</a:t>
             </a:fld>
             <a:endParaRPr lang="ko-KR" altLang="en-US"/>
           </a:p>
@@ -2458,7 +2458,7 @@
           <a:p>
             <a:fld id="{FB30EDBD-1C2D-4C1E-B459-B60219FAB484}" type="datetimeFigureOut">
               <a:rPr lang="ko-KR" altLang="en-US" smtClean="0"/>
-              <a:t>2019-12-02</a:t>
+              <a:t>2019-12-06</a:t>
             </a:fld>
             <a:endParaRPr lang="ko-KR" altLang="en-US"/>
           </a:p>
@@ -2548,7 +2548,7 @@
           <a:p>
             <a:fld id="{FB30EDBD-1C2D-4C1E-B459-B60219FAB484}" type="datetimeFigureOut">
               <a:rPr lang="ko-KR" altLang="en-US" smtClean="0"/>
-              <a:t>2019-12-02</a:t>
+              <a:t>2019-12-06</a:t>
             </a:fld>
             <a:endParaRPr lang="ko-KR" altLang="en-US"/>
           </a:p>
@@ -2818,7 +2818,7 @@
           <a:p>
             <a:fld id="{FB30EDBD-1C2D-4C1E-B459-B60219FAB484}" type="datetimeFigureOut">
               <a:rPr lang="ko-KR" altLang="en-US" smtClean="0"/>
-              <a:t>2019-12-02</a:t>
+              <a:t>2019-12-06</a:t>
             </a:fld>
             <a:endParaRPr lang="ko-KR" altLang="en-US"/>
           </a:p>
@@ -3065,7 +3065,7 @@
           <a:p>
             <a:fld id="{FB30EDBD-1C2D-4C1E-B459-B60219FAB484}" type="datetimeFigureOut">
               <a:rPr lang="ko-KR" altLang="en-US" smtClean="0"/>
-              <a:t>2019-12-02</a:t>
+              <a:t>2019-12-06</a:t>
             </a:fld>
             <a:endParaRPr lang="ko-KR" altLang="en-US"/>
           </a:p>
@@ -3271,7 +3271,7 @@
           <a:p>
             <a:fld id="{FB30EDBD-1C2D-4C1E-B459-B60219FAB484}" type="datetimeFigureOut">
               <a:rPr lang="ko-KR" altLang="en-US" smtClean="0"/>
-              <a:t>2019-12-02</a:t>
+              <a:t>2019-12-06</a:t>
             </a:fld>
             <a:endParaRPr lang="ko-KR" altLang="en-US"/>
           </a:p>
@@ -3767,12 +3767,9 @@
             <a:pPr algn="ctr"/>
             <a:r>
               <a:rPr lang="en-US" altLang="ko-KR" sz="1400" b="1"/>
-              <a:t>flanneld </a:t>
-            </a:r>
-            <a:r>
-              <a:rPr lang="en-US" altLang="ko-KR" sz="1400" b="1" dirty="0"/>
-              <a:t>Container</a:t>
-            </a:r>
+              <a:t>flanneld Pod</a:t>
+            </a:r>
+            <a:endParaRPr lang="en-US" altLang="ko-KR" sz="1400" b="1" dirty="0"/>
           </a:p>
           <a:p>
             <a:pPr algn="ctr"/>
@@ -4026,12 +4023,9 @@
             <a:pPr algn="ctr"/>
             <a:r>
               <a:rPr lang="en-US" altLang="ko-KR" sz="1400" b="1"/>
-              <a:t>flanneld </a:t>
-            </a:r>
-            <a:r>
-              <a:rPr lang="en-US" altLang="ko-KR" sz="1400" b="1" dirty="0"/>
-              <a:t>Container</a:t>
-            </a:r>
+              <a:t>flanneld Pod</a:t>
+            </a:r>
+            <a:endParaRPr lang="en-US" altLang="ko-KR" sz="1400" b="1" dirty="0"/>
           </a:p>
           <a:p>
             <a:pPr algn="ctr"/>
@@ -5181,12 +5175,8 @@
               <a:buChar char="•"/>
             </a:pPr>
             <a:r>
-              <a:rPr lang="en-US" altLang="ko-KR" sz="1400" dirty="0"/>
-              <a:t>Container </a:t>
-            </a:r>
-            <a:r>
               <a:rPr lang="en-US" altLang="ko-KR" sz="1400"/>
-              <a:t>Network 10.244.0.0/16</a:t>
+              <a:t>Pod Network 10.244.0.0/16</a:t>
             </a:r>
             <a:endParaRPr lang="ko-KR" altLang="en-US" sz="1400" dirty="0"/>
           </a:p>
@@ -5256,8 +5246,12 @@
             <a:p>
               <a:pPr algn="ctr"/>
               <a:r>
+                <a:rPr lang="en-US" altLang="ko-KR" sz="1600"/>
+                <a:t>Pod </a:t>
+              </a:r>
+              <a:r>
                 <a:rPr lang="en-US" altLang="ko-KR" sz="1600" dirty="0"/>
-                <a:t>Container A </a:t>
+                <a:t>A </a:t>
               </a:r>
               <a:endParaRPr lang="ko-KR" altLang="en-US" sz="1600" dirty="0"/>
             </a:p>
@@ -5618,8 +5612,12 @@
             <a:p>
               <a:pPr algn="ctr"/>
               <a:r>
+                <a:rPr lang="en-US" altLang="ko-KR" sz="1600"/>
+                <a:t>Pod </a:t>
+              </a:r>
+              <a:r>
                 <a:rPr lang="en-US" altLang="ko-KR" sz="1600" dirty="0"/>
-                <a:t>Container B </a:t>
+                <a:t>B </a:t>
               </a:r>
               <a:endParaRPr lang="ko-KR" altLang="en-US" sz="1600" dirty="0"/>
             </a:p>
@@ -7612,12 +7610,8 @@
               <a:buChar char="•"/>
             </a:pPr>
             <a:r>
-              <a:rPr lang="en-US" altLang="ko-KR" sz="1400" dirty="0"/>
-              <a:t>Container </a:t>
-            </a:r>
-            <a:r>
               <a:rPr lang="en-US" altLang="ko-KR" sz="1400"/>
-              <a:t>Network 10.244.0.0/16</a:t>
+              <a:t>Pod Network 10.244.0.0/16</a:t>
             </a:r>
             <a:endParaRPr lang="ko-KR" altLang="en-US" sz="1400" dirty="0"/>
           </a:p>
@@ -7687,8 +7681,12 @@
             <a:p>
               <a:pPr algn="ctr"/>
               <a:r>
+                <a:rPr lang="en-US" altLang="ko-KR" sz="1600"/>
+                <a:t>Pod </a:t>
+              </a:r>
+              <a:r>
                 <a:rPr lang="en-US" altLang="ko-KR" sz="1600" dirty="0"/>
-                <a:t>Container A </a:t>
+                <a:t>A </a:t>
               </a:r>
               <a:endParaRPr lang="ko-KR" altLang="en-US" sz="1600" dirty="0"/>
             </a:p>
@@ -8349,8 +8347,12 @@
             <a:p>
               <a:pPr algn="ctr"/>
               <a:r>
+                <a:rPr lang="en-US" altLang="ko-KR" sz="1600"/>
+                <a:t>Pod </a:t>
+              </a:r>
+              <a:r>
                 <a:rPr lang="en-US" altLang="ko-KR" sz="1600" dirty="0"/>
-                <a:t>Container B </a:t>
+                <a:t>B </a:t>
               </a:r>
               <a:endParaRPr lang="ko-KR" altLang="en-US" sz="1600" dirty="0"/>
             </a:p>
